--- a/Reference materials/Advanced JAVA/Servlets/2 Servlets Request and Response.pptx
+++ b/Reference materials/Advanced JAVA/Servlets/2 Servlets Request and Response.pptx
@@ -121,7 +121,7 @@
   </p:defaultTextStyle>
   <p:extLst>
     <p:ext uri="{EFAFB233-063F-42B5-8137-9DF3F51BA10A}">
-      <p15:sldGuideLst xmlns:p15="http://schemas.microsoft.com/office/powerpoint/2012/main" xmlns="">
+      <p15:sldGuideLst xmlns:p15="http://schemas.microsoft.com/office/powerpoint/2012/main">
         <p15:guide id="1" orient="horz" pos="2160">
           <p15:clr>
             <a:srgbClr val="A4A3A4"/>
@@ -220,7 +220,7 @@
           <a:p>
             <a:fld id="{CBDFB359-B0C7-4C2A-B5E6-DC0AAC7DC740}" type="datetimeFigureOut">
               <a:rPr lang="en-IN" smtClean="0"/>
-              <a:t>23-10-2017</a:t>
+              <a:t>25-05-2021</a:t>
             </a:fld>
             <a:endParaRPr lang="en-IN"/>
           </a:p>
@@ -284,35 +284,35 @@
           <a:p>
             <a:pPr lvl="0"/>
             <a:r>
-              <a:rPr lang="en-US" smtClean="0"/>
+              <a:rPr lang="en-US"/>
               <a:t>Click to edit Master text styles</a:t>
             </a:r>
           </a:p>
           <a:p>
             <a:pPr lvl="1"/>
             <a:r>
-              <a:rPr lang="en-US" smtClean="0"/>
+              <a:rPr lang="en-US"/>
               <a:t>Second level</a:t>
             </a:r>
           </a:p>
           <a:p>
             <a:pPr lvl="2"/>
             <a:r>
-              <a:rPr lang="en-US" smtClean="0"/>
+              <a:rPr lang="en-US"/>
               <a:t>Third level</a:t>
             </a:r>
           </a:p>
           <a:p>
             <a:pPr lvl="3"/>
             <a:r>
-              <a:rPr lang="en-US" smtClean="0"/>
+              <a:rPr lang="en-US"/>
               <a:t>Fourth level</a:t>
             </a:r>
           </a:p>
           <a:p>
             <a:pPr lvl="4"/>
             <a:r>
-              <a:rPr lang="en-US" smtClean="0"/>
+              <a:rPr lang="en-US"/>
               <a:t>Fifth level</a:t>
             </a:r>
             <a:endParaRPr lang="en-IN"/>
@@ -658,10 +658,9 @@
           </a:lstStyle>
           <a:p>
             <a:r>
-              <a:rPr kumimoji="0" lang="en-US" smtClean="0"/>
+              <a:rPr kumimoji="0" lang="en-US"/>
               <a:t>Click to edit Master subtitle style</a:t>
             </a:r>
-            <a:endParaRPr kumimoji="0" lang="en-US"/>
           </a:p>
         </p:txBody>
       </p:sp>
@@ -683,7 +682,7 @@
             <a:fld id="{1D8BD707-D9CF-40AE-B4C6-C98DA3205C09}" type="datetimeFigureOut">
               <a:rPr lang="en-US" smtClean="0"/>
               <a:pPr/>
-              <a:t>10/23/2017</a:t>
+              <a:t>5/25/2021</a:t>
             </a:fld>
             <a:endParaRPr lang="en-US"/>
           </a:p>
@@ -913,10 +912,9 @@
           </a:lstStyle>
           <a:p>
             <a:r>
-              <a:rPr kumimoji="0" lang="en-US" smtClean="0"/>
+              <a:rPr kumimoji="0" lang="en-US"/>
               <a:t>Click to edit Master title style</a:t>
             </a:r>
-            <a:endParaRPr kumimoji="0" lang="en-US"/>
           </a:p>
         </p:txBody>
       </p:sp>
@@ -961,10 +959,9 @@
           <a:lstStyle/>
           <a:p>
             <a:r>
-              <a:rPr kumimoji="0" lang="en-US" smtClean="0"/>
+              <a:rPr kumimoji="0" lang="en-US"/>
               <a:t>Click to edit Master title style</a:t>
             </a:r>
-            <a:endParaRPr kumimoji="0" lang="en-US"/>
           </a:p>
         </p:txBody>
       </p:sp>
@@ -985,35 +982,35 @@
           <a:p>
             <a:pPr lvl="0" eaLnBrk="1" latinLnBrk="0" hangingPunct="1"/>
             <a:r>
-              <a:rPr lang="en-US" smtClean="0"/>
+              <a:rPr lang="en-US"/>
               <a:t>Click to edit Master text styles</a:t>
             </a:r>
           </a:p>
           <a:p>
             <a:pPr lvl="1" eaLnBrk="1" latinLnBrk="0" hangingPunct="1"/>
             <a:r>
-              <a:rPr lang="en-US" smtClean="0"/>
+              <a:rPr lang="en-US"/>
               <a:t>Second level</a:t>
             </a:r>
           </a:p>
           <a:p>
             <a:pPr lvl="2" eaLnBrk="1" latinLnBrk="0" hangingPunct="1"/>
             <a:r>
-              <a:rPr lang="en-US" smtClean="0"/>
+              <a:rPr lang="en-US"/>
               <a:t>Third level</a:t>
             </a:r>
           </a:p>
           <a:p>
             <a:pPr lvl="3" eaLnBrk="1" latinLnBrk="0" hangingPunct="1"/>
             <a:r>
-              <a:rPr lang="en-US" smtClean="0"/>
+              <a:rPr lang="en-US"/>
               <a:t>Fourth level</a:t>
             </a:r>
           </a:p>
           <a:p>
             <a:pPr lvl="4" eaLnBrk="1" latinLnBrk="0" hangingPunct="1"/>
             <a:r>
-              <a:rPr lang="en-US" smtClean="0"/>
+              <a:rPr lang="en-US"/>
               <a:t>Fifth level</a:t>
             </a:r>
             <a:endParaRPr kumimoji="0" lang="en-US"/>
@@ -1038,7 +1035,7 @@
             <a:fld id="{1D8BD707-D9CF-40AE-B4C6-C98DA3205C09}" type="datetimeFigureOut">
               <a:rPr lang="en-US" smtClean="0"/>
               <a:pPr/>
-              <a:t>10/23/2017</a:t>
+              <a:t>5/25/2021</a:t>
             </a:fld>
             <a:endParaRPr lang="en-US"/>
           </a:p>
@@ -1133,10 +1130,9 @@
           <a:lstStyle/>
           <a:p>
             <a:r>
-              <a:rPr kumimoji="0" lang="en-US" smtClean="0"/>
+              <a:rPr kumimoji="0" lang="en-US"/>
               <a:t>Click to edit Master title style</a:t>
             </a:r>
-            <a:endParaRPr kumimoji="0" lang="en-US"/>
           </a:p>
         </p:txBody>
       </p:sp>
@@ -1162,35 +1158,35 @@
           <a:p>
             <a:pPr lvl="0" eaLnBrk="1" latinLnBrk="0" hangingPunct="1"/>
             <a:r>
-              <a:rPr lang="en-US" smtClean="0"/>
+              <a:rPr lang="en-US"/>
               <a:t>Click to edit Master text styles</a:t>
             </a:r>
           </a:p>
           <a:p>
             <a:pPr lvl="1" eaLnBrk="1" latinLnBrk="0" hangingPunct="1"/>
             <a:r>
-              <a:rPr lang="en-US" smtClean="0"/>
+              <a:rPr lang="en-US"/>
               <a:t>Second level</a:t>
             </a:r>
           </a:p>
           <a:p>
             <a:pPr lvl="2" eaLnBrk="1" latinLnBrk="0" hangingPunct="1"/>
             <a:r>
-              <a:rPr lang="en-US" smtClean="0"/>
+              <a:rPr lang="en-US"/>
               <a:t>Third level</a:t>
             </a:r>
           </a:p>
           <a:p>
             <a:pPr lvl="3" eaLnBrk="1" latinLnBrk="0" hangingPunct="1"/>
             <a:r>
-              <a:rPr lang="en-US" smtClean="0"/>
+              <a:rPr lang="en-US"/>
               <a:t>Fourth level</a:t>
             </a:r>
           </a:p>
           <a:p>
             <a:pPr lvl="4" eaLnBrk="1" latinLnBrk="0" hangingPunct="1"/>
             <a:r>
-              <a:rPr lang="en-US" smtClean="0"/>
+              <a:rPr lang="en-US"/>
               <a:t>Fifth level</a:t>
             </a:r>
             <a:endParaRPr kumimoji="0" lang="en-US"/>
@@ -1215,7 +1211,7 @@
             <a:fld id="{1D8BD707-D9CF-40AE-B4C6-C98DA3205C09}" type="datetimeFigureOut">
               <a:rPr lang="en-US" smtClean="0"/>
               <a:pPr/>
-              <a:t>10/23/2017</a:t>
+              <a:t>5/25/2021</a:t>
             </a:fld>
             <a:endParaRPr lang="en-US"/>
           </a:p>
@@ -1305,10 +1301,9 @@
           <a:lstStyle/>
           <a:p>
             <a:r>
-              <a:rPr kumimoji="0" lang="en-US" smtClean="0"/>
+              <a:rPr kumimoji="0" lang="en-US"/>
               <a:t>Click to edit Master title style</a:t>
             </a:r>
-            <a:endParaRPr kumimoji="0" lang="en-US"/>
           </a:p>
         </p:txBody>
       </p:sp>
@@ -1330,7 +1325,7 @@
             <a:fld id="{1D8BD707-D9CF-40AE-B4C6-C98DA3205C09}" type="datetimeFigureOut">
               <a:rPr lang="en-US" smtClean="0"/>
               <a:pPr/>
-              <a:t>10/23/2017</a:t>
+              <a:t>5/25/2021</a:t>
             </a:fld>
             <a:endParaRPr lang="en-US"/>
           </a:p>
@@ -1401,35 +1396,35 @@
           <a:p>
             <a:pPr lvl="0" eaLnBrk="1" latinLnBrk="0" hangingPunct="1"/>
             <a:r>
-              <a:rPr lang="en-US" smtClean="0"/>
+              <a:rPr lang="en-US"/>
               <a:t>Click to edit Master text styles</a:t>
             </a:r>
           </a:p>
           <a:p>
             <a:pPr lvl="1" eaLnBrk="1" latinLnBrk="0" hangingPunct="1"/>
             <a:r>
-              <a:rPr lang="en-US" smtClean="0"/>
+              <a:rPr lang="en-US"/>
               <a:t>Second level</a:t>
             </a:r>
           </a:p>
           <a:p>
             <a:pPr lvl="2" eaLnBrk="1" latinLnBrk="0" hangingPunct="1"/>
             <a:r>
-              <a:rPr lang="en-US" smtClean="0"/>
+              <a:rPr lang="en-US"/>
               <a:t>Third level</a:t>
             </a:r>
           </a:p>
           <a:p>
             <a:pPr lvl="3" eaLnBrk="1" latinLnBrk="0" hangingPunct="1"/>
             <a:r>
-              <a:rPr lang="en-US" smtClean="0"/>
+              <a:rPr lang="en-US"/>
               <a:t>Fourth level</a:t>
             </a:r>
           </a:p>
           <a:p>
             <a:pPr lvl="4" eaLnBrk="1" latinLnBrk="0" hangingPunct="1"/>
             <a:r>
-              <a:rPr lang="en-US" smtClean="0"/>
+              <a:rPr lang="en-US"/>
               <a:t>Fifth level</a:t>
             </a:r>
             <a:endParaRPr kumimoji="0" lang="en-US"/>
@@ -1586,10 +1581,9 @@
           </a:lstStyle>
           <a:p>
             <a:r>
-              <a:rPr kumimoji="0" lang="en-US" smtClean="0"/>
+              <a:rPr kumimoji="0" lang="en-US"/>
               <a:t>Click to edit Master title style</a:t>
             </a:r>
-            <a:endParaRPr kumimoji="0" lang="en-US"/>
           </a:p>
         </p:txBody>
       </p:sp>
@@ -1666,7 +1660,7 @@
           <a:p>
             <a:pPr lvl="0" eaLnBrk="1" latinLnBrk="0" hangingPunct="1"/>
             <a:r>
-              <a:rPr kumimoji="0" lang="en-US" smtClean="0"/>
+              <a:rPr kumimoji="0" lang="en-US"/>
               <a:t>Click to edit Master text styles</a:t>
             </a:r>
           </a:p>
@@ -1690,7 +1684,7 @@
             <a:fld id="{1D8BD707-D9CF-40AE-B4C6-C98DA3205C09}" type="datetimeFigureOut">
               <a:rPr lang="en-US" smtClean="0"/>
               <a:pPr/>
-              <a:t>10/23/2017</a:t>
+              <a:t>5/25/2021</a:t>
             </a:fld>
             <a:endParaRPr lang="en-US"/>
           </a:p>
@@ -1932,10 +1926,9 @@
           <a:lstStyle/>
           <a:p>
             <a:r>
-              <a:rPr kumimoji="0" lang="en-US" smtClean="0"/>
+              <a:rPr kumimoji="0" lang="en-US"/>
               <a:t>Click to edit Master title style</a:t>
             </a:r>
-            <a:endParaRPr kumimoji="0" lang="en-US"/>
           </a:p>
         </p:txBody>
       </p:sp>
@@ -1957,7 +1950,7 @@
             <a:fld id="{1D8BD707-D9CF-40AE-B4C6-C98DA3205C09}" type="datetimeFigureOut">
               <a:rPr lang="en-US" smtClean="0"/>
               <a:pPr/>
-              <a:t>10/23/2017</a:t>
+              <a:t>5/25/2021</a:t>
             </a:fld>
             <a:endParaRPr lang="en-US"/>
           </a:p>
@@ -2028,35 +2021,35 @@
           <a:p>
             <a:pPr lvl="0" eaLnBrk="1" latinLnBrk="0" hangingPunct="1"/>
             <a:r>
-              <a:rPr lang="en-US" smtClean="0"/>
+              <a:rPr lang="en-US"/>
               <a:t>Click to edit Master text styles</a:t>
             </a:r>
           </a:p>
           <a:p>
             <a:pPr lvl="1" eaLnBrk="1" latinLnBrk="0" hangingPunct="1"/>
             <a:r>
-              <a:rPr lang="en-US" smtClean="0"/>
+              <a:rPr lang="en-US"/>
               <a:t>Second level</a:t>
             </a:r>
           </a:p>
           <a:p>
             <a:pPr lvl="2" eaLnBrk="1" latinLnBrk="0" hangingPunct="1"/>
             <a:r>
-              <a:rPr lang="en-US" smtClean="0"/>
+              <a:rPr lang="en-US"/>
               <a:t>Third level</a:t>
             </a:r>
           </a:p>
           <a:p>
             <a:pPr lvl="3" eaLnBrk="1" latinLnBrk="0" hangingPunct="1"/>
             <a:r>
-              <a:rPr lang="en-US" smtClean="0"/>
+              <a:rPr lang="en-US"/>
               <a:t>Fourth level</a:t>
             </a:r>
           </a:p>
           <a:p>
             <a:pPr lvl="4" eaLnBrk="1" latinLnBrk="0" hangingPunct="1"/>
             <a:r>
-              <a:rPr lang="en-US" smtClean="0"/>
+              <a:rPr lang="en-US"/>
               <a:t>Fifth level</a:t>
             </a:r>
             <a:endParaRPr kumimoji="0" lang="en-US"/>
@@ -2085,35 +2078,35 @@
           <a:p>
             <a:pPr lvl="0" eaLnBrk="1" latinLnBrk="0" hangingPunct="1"/>
             <a:r>
-              <a:rPr lang="en-US" smtClean="0"/>
+              <a:rPr lang="en-US"/>
               <a:t>Click to edit Master text styles</a:t>
             </a:r>
           </a:p>
           <a:p>
             <a:pPr lvl="1" eaLnBrk="1" latinLnBrk="0" hangingPunct="1"/>
             <a:r>
-              <a:rPr lang="en-US" smtClean="0"/>
+              <a:rPr lang="en-US"/>
               <a:t>Second level</a:t>
             </a:r>
           </a:p>
           <a:p>
             <a:pPr lvl="2" eaLnBrk="1" latinLnBrk="0" hangingPunct="1"/>
             <a:r>
-              <a:rPr lang="en-US" smtClean="0"/>
+              <a:rPr lang="en-US"/>
               <a:t>Third level</a:t>
             </a:r>
           </a:p>
           <a:p>
             <a:pPr lvl="3" eaLnBrk="1" latinLnBrk="0" hangingPunct="1"/>
             <a:r>
-              <a:rPr lang="en-US" smtClean="0"/>
+              <a:rPr lang="en-US"/>
               <a:t>Fourth level</a:t>
             </a:r>
           </a:p>
           <a:p>
             <a:pPr lvl="4" eaLnBrk="1" latinLnBrk="0" hangingPunct="1"/>
             <a:r>
-              <a:rPr lang="en-US" smtClean="0"/>
+              <a:rPr lang="en-US"/>
               <a:t>Fifth level</a:t>
             </a:r>
             <a:endParaRPr kumimoji="0" lang="en-US"/>
@@ -2170,10 +2163,9 @@
           </a:lstStyle>
           <a:p>
             <a:r>
-              <a:rPr kumimoji="0" lang="en-US" smtClean="0"/>
+              <a:rPr kumimoji="0" lang="en-US"/>
               <a:t>Click to edit Master title style</a:t>
             </a:r>
-            <a:endParaRPr kumimoji="0" lang="en-US"/>
           </a:p>
         </p:txBody>
       </p:sp>
@@ -2234,7 +2226,7 @@
           <a:p>
             <a:pPr lvl="0" eaLnBrk="1" latinLnBrk="0" hangingPunct="1"/>
             <a:r>
-              <a:rPr kumimoji="0" lang="en-US" smtClean="0"/>
+              <a:rPr kumimoji="0" lang="en-US"/>
               <a:t>Click to edit Master text styles</a:t>
             </a:r>
           </a:p>
@@ -2297,7 +2289,7 @@
           <a:p>
             <a:pPr lvl="0" eaLnBrk="1" latinLnBrk="0" hangingPunct="1"/>
             <a:r>
-              <a:rPr kumimoji="0" lang="en-US" smtClean="0"/>
+              <a:rPr kumimoji="0" lang="en-US"/>
               <a:t>Click to edit Master text styles</a:t>
             </a:r>
           </a:p>
@@ -2321,7 +2313,7 @@
             <a:fld id="{1D8BD707-D9CF-40AE-B4C6-C98DA3205C09}" type="datetimeFigureOut">
               <a:rPr lang="en-US" smtClean="0"/>
               <a:pPr/>
-              <a:t>10/23/2017</a:t>
+              <a:t>5/25/2021</a:t>
             </a:fld>
             <a:endParaRPr lang="en-US"/>
           </a:p>
@@ -2392,35 +2384,35 @@
           <a:p>
             <a:pPr lvl="0" eaLnBrk="1" latinLnBrk="0" hangingPunct="1"/>
             <a:r>
-              <a:rPr lang="en-US" smtClean="0"/>
+              <a:rPr lang="en-US"/>
               <a:t>Click to edit Master text styles</a:t>
             </a:r>
           </a:p>
           <a:p>
             <a:pPr lvl="1" eaLnBrk="1" latinLnBrk="0" hangingPunct="1"/>
             <a:r>
-              <a:rPr lang="en-US" smtClean="0"/>
+              <a:rPr lang="en-US"/>
               <a:t>Second level</a:t>
             </a:r>
           </a:p>
           <a:p>
             <a:pPr lvl="2" eaLnBrk="1" latinLnBrk="0" hangingPunct="1"/>
             <a:r>
-              <a:rPr lang="en-US" smtClean="0"/>
+              <a:rPr lang="en-US"/>
               <a:t>Third level</a:t>
             </a:r>
           </a:p>
           <a:p>
             <a:pPr lvl="3" eaLnBrk="1" latinLnBrk="0" hangingPunct="1"/>
             <a:r>
-              <a:rPr lang="en-US" smtClean="0"/>
+              <a:rPr lang="en-US"/>
               <a:t>Fourth level</a:t>
             </a:r>
           </a:p>
           <a:p>
             <a:pPr lvl="4" eaLnBrk="1" latinLnBrk="0" hangingPunct="1"/>
             <a:r>
-              <a:rPr lang="en-US" smtClean="0"/>
+              <a:rPr lang="en-US"/>
               <a:t>Fifth level</a:t>
             </a:r>
             <a:endParaRPr kumimoji="0" lang="en-US"/>
@@ -2449,35 +2441,35 @@
           <a:p>
             <a:pPr lvl="0" eaLnBrk="1" latinLnBrk="0" hangingPunct="1"/>
             <a:r>
-              <a:rPr lang="en-US" smtClean="0"/>
+              <a:rPr lang="en-US"/>
               <a:t>Click to edit Master text styles</a:t>
             </a:r>
           </a:p>
           <a:p>
             <a:pPr lvl="1" eaLnBrk="1" latinLnBrk="0" hangingPunct="1"/>
             <a:r>
-              <a:rPr lang="en-US" smtClean="0"/>
+              <a:rPr lang="en-US"/>
               <a:t>Second level</a:t>
             </a:r>
           </a:p>
           <a:p>
             <a:pPr lvl="2" eaLnBrk="1" latinLnBrk="0" hangingPunct="1"/>
             <a:r>
-              <a:rPr lang="en-US" smtClean="0"/>
+              <a:rPr lang="en-US"/>
               <a:t>Third level</a:t>
             </a:r>
           </a:p>
           <a:p>
             <a:pPr lvl="3" eaLnBrk="1" latinLnBrk="0" hangingPunct="1"/>
             <a:r>
-              <a:rPr lang="en-US" smtClean="0"/>
+              <a:rPr lang="en-US"/>
               <a:t>Fourth level</a:t>
             </a:r>
           </a:p>
           <a:p>
             <a:pPr lvl="4" eaLnBrk="1" latinLnBrk="0" hangingPunct="1"/>
             <a:r>
-              <a:rPr lang="en-US" smtClean="0"/>
+              <a:rPr lang="en-US"/>
               <a:t>Fifth level</a:t>
             </a:r>
             <a:endParaRPr kumimoji="0" lang="en-US"/>
@@ -2525,10 +2517,9 @@
           <a:lstStyle/>
           <a:p>
             <a:r>
-              <a:rPr kumimoji="0" lang="en-US" smtClean="0"/>
+              <a:rPr kumimoji="0" lang="en-US"/>
               <a:t>Click to edit Master title style</a:t>
             </a:r>
-            <a:endParaRPr kumimoji="0" lang="en-US"/>
           </a:p>
         </p:txBody>
       </p:sp>
@@ -2550,7 +2541,7 @@
             <a:fld id="{1D8BD707-D9CF-40AE-B4C6-C98DA3205C09}" type="datetimeFigureOut">
               <a:rPr lang="en-US" smtClean="0"/>
               <a:pPr/>
-              <a:t>10/23/2017</a:t>
+              <a:t>5/25/2021</a:t>
             </a:fld>
             <a:endParaRPr lang="en-US"/>
           </a:p>
@@ -2642,7 +2633,7 @@
             <a:fld id="{1D8BD707-D9CF-40AE-B4C6-C98DA3205C09}" type="datetimeFigureOut">
               <a:rPr lang="en-US" smtClean="0"/>
               <a:pPr/>
-              <a:t>10/23/2017</a:t>
+              <a:t>5/25/2021</a:t>
             </a:fld>
             <a:endParaRPr lang="en-US"/>
           </a:p>
@@ -2837,10 +2828,9 @@
           </a:lstStyle>
           <a:p>
             <a:r>
-              <a:rPr kumimoji="0" lang="en-US" smtClean="0"/>
+              <a:rPr kumimoji="0" lang="en-US"/>
               <a:t>Click to edit Master title style</a:t>
             </a:r>
-            <a:endParaRPr kumimoji="0" lang="en-US"/>
           </a:p>
         </p:txBody>
       </p:sp>
@@ -2887,7 +2877,7 @@
           <a:p>
             <a:pPr lvl="0" eaLnBrk="1" latinLnBrk="0" hangingPunct="1"/>
             <a:r>
-              <a:rPr kumimoji="0" lang="en-US" smtClean="0"/>
+              <a:rPr kumimoji="0" lang="en-US"/>
               <a:t>Click to edit Master text styles</a:t>
             </a:r>
           </a:p>
@@ -2911,7 +2901,7 @@
             <a:fld id="{1D8BD707-D9CF-40AE-B4C6-C98DA3205C09}" type="datetimeFigureOut">
               <a:rPr lang="en-US" smtClean="0"/>
               <a:pPr/>
-              <a:t>10/23/2017</a:t>
+              <a:t>5/25/2021</a:t>
             </a:fld>
             <a:endParaRPr lang="en-US"/>
           </a:p>
@@ -2982,35 +2972,35 @@
           <a:p>
             <a:pPr lvl="0" eaLnBrk="1" latinLnBrk="0" hangingPunct="1"/>
             <a:r>
-              <a:rPr lang="en-US" smtClean="0"/>
+              <a:rPr lang="en-US"/>
               <a:t>Click to edit Master text styles</a:t>
             </a:r>
           </a:p>
           <a:p>
             <a:pPr lvl="1" eaLnBrk="1" latinLnBrk="0" hangingPunct="1"/>
             <a:r>
-              <a:rPr lang="en-US" smtClean="0"/>
+              <a:rPr lang="en-US"/>
               <a:t>Second level</a:t>
             </a:r>
           </a:p>
           <a:p>
             <a:pPr lvl="2" eaLnBrk="1" latinLnBrk="0" hangingPunct="1"/>
             <a:r>
-              <a:rPr lang="en-US" smtClean="0"/>
+              <a:rPr lang="en-US"/>
               <a:t>Third level</a:t>
             </a:r>
           </a:p>
           <a:p>
             <a:pPr lvl="3" eaLnBrk="1" latinLnBrk="0" hangingPunct="1"/>
             <a:r>
-              <a:rPr lang="en-US" smtClean="0"/>
+              <a:rPr lang="en-US"/>
               <a:t>Fourth level</a:t>
             </a:r>
           </a:p>
           <a:p>
             <a:pPr lvl="4" eaLnBrk="1" latinLnBrk="0" hangingPunct="1"/>
             <a:r>
-              <a:rPr lang="en-US" smtClean="0"/>
+              <a:rPr lang="en-US"/>
               <a:t>Fifth level</a:t>
             </a:r>
             <a:endParaRPr kumimoji="0" lang="en-US"/>
@@ -3070,10 +3060,9 @@
           </a:lstStyle>
           <a:p>
             <a:r>
-              <a:rPr kumimoji="0" lang="en-US" smtClean="0"/>
+              <a:rPr kumimoji="0" lang="en-US"/>
               <a:t>Click to edit Master title style</a:t>
             </a:r>
-            <a:endParaRPr kumimoji="0" lang="en-US"/>
           </a:p>
         </p:txBody>
       </p:sp>
@@ -3117,7 +3106,7 @@
           <a:p>
             <a:pPr lvl="0" eaLnBrk="1" latinLnBrk="0" hangingPunct="1"/>
             <a:r>
-              <a:rPr kumimoji="0" lang="en-US" smtClean="0"/>
+              <a:rPr kumimoji="0" lang="en-US"/>
               <a:t>Click to edit Master text styles</a:t>
             </a:r>
           </a:p>
@@ -3141,7 +3130,7 @@
             <a:fld id="{1D8BD707-D9CF-40AE-B4C6-C98DA3205C09}" type="datetimeFigureOut">
               <a:rPr lang="en-US" smtClean="0"/>
               <a:pPr/>
-              <a:t>10/23/2017</a:t>
+              <a:t>5/25/2021</a:t>
             </a:fld>
             <a:endParaRPr lang="en-US"/>
           </a:p>
@@ -3382,7 +3371,7 @@
           </a:lstStyle>
           <a:p>
             <a:r>
-              <a:rPr kumimoji="0" lang="en-US" smtClean="0"/>
+              <a:rPr kumimoji="0" lang="en-US"/>
               <a:t>Click icon to add picture</a:t>
             </a:r>
             <a:endParaRPr kumimoji="0" lang="en-US" dirty="0"/>
@@ -3539,10 +3528,9 @@
           <a:lstStyle/>
           <a:p>
             <a:r>
-              <a:rPr kumimoji="0" lang="en-US" smtClean="0"/>
+              <a:rPr kumimoji="0" lang="en-US"/>
               <a:t>Click to edit Master title style</a:t>
             </a:r>
-            <a:endParaRPr kumimoji="0" lang="en-US"/>
           </a:p>
         </p:txBody>
       </p:sp>
@@ -3573,38 +3561,37 @@
           <a:p>
             <a:pPr lvl="0" eaLnBrk="1" latinLnBrk="0" hangingPunct="1"/>
             <a:r>
-              <a:rPr kumimoji="0" lang="en-US" smtClean="0"/>
+              <a:rPr kumimoji="0" lang="en-US"/>
               <a:t>Click to edit Master text styles</a:t>
             </a:r>
           </a:p>
           <a:p>
             <a:pPr lvl="1" eaLnBrk="1" latinLnBrk="0" hangingPunct="1"/>
             <a:r>
-              <a:rPr kumimoji="0" lang="en-US" smtClean="0"/>
+              <a:rPr kumimoji="0" lang="en-US"/>
               <a:t>Second level</a:t>
             </a:r>
           </a:p>
           <a:p>
             <a:pPr lvl="2" eaLnBrk="1" latinLnBrk="0" hangingPunct="1"/>
             <a:r>
-              <a:rPr kumimoji="0" lang="en-US" smtClean="0"/>
+              <a:rPr kumimoji="0" lang="en-US"/>
               <a:t>Third level</a:t>
             </a:r>
           </a:p>
           <a:p>
             <a:pPr lvl="3" eaLnBrk="1" latinLnBrk="0" hangingPunct="1"/>
             <a:r>
-              <a:rPr kumimoji="0" lang="en-US" smtClean="0"/>
+              <a:rPr kumimoji="0" lang="en-US"/>
               <a:t>Fourth level</a:t>
             </a:r>
           </a:p>
           <a:p>
             <a:pPr lvl="4" eaLnBrk="1" latinLnBrk="0" hangingPunct="1"/>
             <a:r>
-              <a:rPr kumimoji="0" lang="en-US" smtClean="0"/>
+              <a:rPr kumimoji="0" lang="en-US"/>
               <a:t>Fifth level</a:t>
             </a:r>
-            <a:endParaRPr kumimoji="0" lang="en-US"/>
           </a:p>
         </p:txBody>
       </p:sp>
@@ -3642,7 +3629,7 @@
             <a:fld id="{1D8BD707-D9CF-40AE-B4C6-C98DA3205C09}" type="datetimeFigureOut">
               <a:rPr lang="en-US" smtClean="0"/>
               <a:pPr/>
-              <a:t>10/23/2017</a:t>
+              <a:t>5/25/2021</a:t>
             </a:fld>
             <a:endParaRPr lang="en-US"/>
           </a:p>
@@ -4082,10 +4069,9 @@
           <a:lstStyle/>
           <a:p>
             <a:r>
-              <a:rPr lang="en-IN" dirty="0" smtClean="0"/>
+              <a:rPr lang="en-IN" dirty="0"/>
               <a:t>Servlets Request and Response</a:t>
             </a:r>
-            <a:endParaRPr lang="en-IN" dirty="0"/>
           </a:p>
         </p:txBody>
       </p:sp>
@@ -4099,13 +4085,6 @@
   <p:clrMapOvr>
     <a:masterClrMapping/>
   </p:clrMapOvr>
-  <p:timing>
-    <p:tnLst>
-      <p:par>
-        <p:cTn id="1" dur="indefinite" restart="never" nodeType="tmRoot"/>
-      </p:par>
-    </p:tnLst>
-  </p:timing>
 </p:sld>
 </file>
 
@@ -4145,13 +4124,8 @@
           <a:p>
             <a:r>
               <a:rPr lang="en-IN" dirty="0"/>
-              <a:t>HTTP Response </a:t>
-            </a:r>
-            <a:r>
-              <a:rPr lang="en-IN" dirty="0" smtClean="0"/>
-              <a:t>Header</a:t>
-            </a:r>
-            <a:endParaRPr lang="en-IN" dirty="0"/>
+              <a:t>HTTP Response Header</a:t>
+            </a:r>
           </a:p>
         </p:txBody>
       </p:sp>
@@ -4172,11 +4146,7 @@
           <a:p>
             <a:r>
               <a:rPr lang="en-IN" dirty="0"/>
-              <a:t>HTTP response header in your servlet program</a:t>
-            </a:r>
-            <a:r>
-              <a:rPr lang="en-IN" dirty="0" smtClean="0"/>
-              <a:t>.</a:t>
+              <a:t>HTTP response header in your servlet program.</a:t>
             </a:r>
           </a:p>
           <a:p>
@@ -4195,11 +4165,7 @@
             </a:r>
             <a:r>
               <a:rPr lang="en-IN" b="1" dirty="0"/>
-              <a:t>(String name</a:t>
-            </a:r>
-            <a:r>
-              <a:rPr lang="en-IN" b="1" dirty="0" smtClean="0"/>
-              <a:t>)</a:t>
+              <a:t>(String name)</a:t>
             </a:r>
           </a:p>
           <a:p>
@@ -4214,11 +4180,7 @@
             </a:r>
             <a:r>
               <a:rPr lang="en-IN" b="1" dirty="0"/>
-              <a:t>(Cookie cookie</a:t>
-            </a:r>
-            <a:r>
-              <a:rPr lang="en-IN" b="1" dirty="0" smtClean="0"/>
-              <a:t>)</a:t>
+              <a:t>(Cookie cookie)</a:t>
             </a:r>
           </a:p>
           <a:p>
@@ -4233,11 +4195,7 @@
             </a:r>
             <a:r>
               <a:rPr lang="en-IN" b="1" dirty="0"/>
-              <a:t>(String name, long date</a:t>
-            </a:r>
-            <a:r>
-              <a:rPr lang="en-IN" b="1" dirty="0" smtClean="0"/>
-              <a:t>)</a:t>
+              <a:t>(String name, long date)</a:t>
             </a:r>
           </a:p>
           <a:p>
@@ -4251,7 +4209,7 @@
               <a:t>flushBuffer</a:t>
             </a:r>
             <a:r>
-              <a:rPr lang="en-IN" b="1" dirty="0" smtClean="0"/>
+              <a:rPr lang="en-IN" b="1" dirty="0"/>
               <a:t>()</a:t>
             </a:r>
           </a:p>
@@ -4266,7 +4224,7 @@
               <a:t>resetBuffer</a:t>
             </a:r>
             <a:r>
-              <a:rPr lang="en-IN" b="1" dirty="0" smtClean="0"/>
+              <a:rPr lang="en-IN" b="1" dirty="0"/>
               <a:t>()</a:t>
             </a:r>
           </a:p>
@@ -4290,11 +4248,7 @@
             </a:r>
             <a:r>
               <a:rPr lang="en-IN" b="1" dirty="0"/>
-              <a:t> size</a:t>
-            </a:r>
-            <a:r>
-              <a:rPr lang="en-IN" b="1" dirty="0" smtClean="0"/>
-              <a:t>)</a:t>
+              <a:t> size)</a:t>
             </a:r>
           </a:p>
           <a:p>
@@ -4341,13 +4295,6 @@
   <p:clrMapOvr>
     <a:masterClrMapping/>
   </p:clrMapOvr>
-  <p:timing>
-    <p:tnLst>
-      <p:par>
-        <p:cTn id="1" dur="indefinite" restart="never" nodeType="tmRoot"/>
-      </p:par>
-    </p:tnLst>
-  </p:timing>
 </p:sld>
 </file>
 
@@ -4385,13 +4332,8 @@
           <a:p>
             <a:r>
               <a:rPr lang="en-IN" dirty="0"/>
-              <a:t>HTTP Response </a:t>
-            </a:r>
-            <a:r>
-              <a:rPr lang="en-IN" dirty="0" smtClean="0"/>
-              <a:t>Header  Example</a:t>
-            </a:r>
-            <a:endParaRPr lang="en-IN" dirty="0"/>
+              <a:t>HTTP Response Header  Example</a:t>
+            </a:r>
           </a:p>
         </p:txBody>
       </p:sp>
@@ -4426,18 +4368,14 @@
             </a:pPr>
             <a:r>
               <a:rPr lang="en-IN" sz="2000" dirty="0"/>
-              <a:t>import java.io</a:t>
-            </a:r>
-            <a:r>
-              <a:rPr lang="en-IN" sz="2000" dirty="0" smtClean="0"/>
-              <a:t>.*; import </a:t>
+              <a:t>import java.io.*; import </a:t>
             </a:r>
             <a:r>
               <a:rPr lang="en-IN" sz="2000" dirty="0" err="1"/>
               <a:t>javax.servlet</a:t>
             </a:r>
             <a:r>
-              <a:rPr lang="en-IN" sz="2000" dirty="0" smtClean="0"/>
+              <a:rPr lang="en-IN" sz="2000" dirty="0"/>
               <a:t>.*; import </a:t>
             </a:r>
             <a:r>
@@ -4445,7 +4383,7 @@
               <a:t>javax.servlet.http</a:t>
             </a:r>
             <a:r>
-              <a:rPr lang="en-IN" sz="2000" dirty="0" smtClean="0"/>
+              <a:rPr lang="en-IN" sz="2000" dirty="0"/>
               <a:t>.*; import </a:t>
             </a:r>
             <a:r>
@@ -4453,22 +4391,17 @@
               <a:t>java.util</a:t>
             </a:r>
             <a:r>
-              <a:rPr lang="en-IN" sz="2000" dirty="0" smtClean="0"/>
+              <a:rPr lang="en-IN" sz="2000" dirty="0"/>
               <a:t>.*; </a:t>
             </a:r>
-            <a:endParaRPr lang="en-IN" sz="2000" dirty="0"/>
           </a:p>
           <a:p>
             <a:pPr marL="0" indent="0">
               <a:buNone/>
             </a:pPr>
             <a:r>
-              <a:rPr lang="en-IN" sz="2000" dirty="0" smtClean="0"/>
-              <a:t>public </a:t>
-            </a:r>
-            <a:r>
               <a:rPr lang="en-IN" sz="2000" dirty="0"/>
-              <a:t>class Refresh extends </a:t>
+              <a:t>public class Refresh extends </a:t>
             </a:r>
             <a:r>
               <a:rPr lang="en-IN" sz="2000" dirty="0" err="1"/>
@@ -4484,12 +4417,8 @@
               <a:buNone/>
             </a:pPr>
             <a:r>
-              <a:rPr lang="en-IN" sz="2000" dirty="0" smtClean="0"/>
-              <a:t>public </a:t>
-            </a:r>
-            <a:r>
               <a:rPr lang="en-IN" sz="2000" dirty="0"/>
-              <a:t>void </a:t>
+              <a:t>public void </a:t>
             </a:r>
             <a:r>
               <a:rPr lang="en-IN" sz="2000" dirty="0" err="1"/>
@@ -4540,25 +4469,14 @@
               <a:rPr lang="en-IN" sz="2000" dirty="0"/>
               <a:t> </a:t>
             </a:r>
-            <a:endParaRPr lang="en-IN" sz="2000" dirty="0" smtClean="0"/>
           </a:p>
           <a:p>
             <a:pPr marL="0" indent="0">
               <a:buNone/>
             </a:pPr>
             <a:r>
-              <a:rPr lang="en-IN" sz="2000" dirty="0" smtClean="0"/>
+              <a:rPr lang="en-IN" sz="2000" dirty="0"/>
               <a:t>{</a:t>
-            </a:r>
-            <a:endParaRPr lang="en-IN" sz="2000" dirty="0"/>
-          </a:p>
-          <a:p>
-            <a:pPr marL="0" indent="0">
-              <a:buNone/>
-            </a:pPr>
-            <a:r>
-              <a:rPr lang="en-IN" sz="2000" dirty="0" smtClean="0"/>
-              <a:t>	</a:t>
             </a:r>
           </a:p>
           <a:p>
@@ -4569,20 +4487,25 @@
               <a:rPr lang="en-IN" sz="2000" dirty="0"/>
               <a:t>	</a:t>
             </a:r>
-            <a:r>
-              <a:rPr lang="en-IN" sz="2000" dirty="0" err="1" smtClean="0"/>
+          </a:p>
+          <a:p>
+            <a:pPr marL="0" indent="0">
+              <a:buNone/>
+            </a:pPr>
+            <a:r>
+              <a:rPr lang="en-IN" sz="2000" dirty="0"/>
+              <a:t>	</a:t>
+            </a:r>
+            <a:r>
+              <a:rPr lang="en-IN" sz="2000" dirty="0" err="1"/>
               <a:t>response.setIntHeader</a:t>
             </a:r>
             <a:r>
               <a:rPr lang="en-IN" sz="2000" dirty="0"/>
-              <a:t>("Refresh", 5</a:t>
-            </a:r>
-            <a:r>
-              <a:rPr lang="en-IN" sz="2000" dirty="0" smtClean="0"/>
-              <a:t>);//</a:t>
-            </a:r>
-            <a:r>
-              <a:rPr lang="en-IN" sz="2000" smtClean="0"/>
+              <a:t>("Refresh", 5);//</a:t>
+            </a:r>
+            <a:r>
+              <a:rPr lang="en-IN" sz="2000"/>
               <a:t>automatic refreshing</a:t>
             </a:r>
             <a:endParaRPr lang="en-IN" sz="2000" dirty="0"/>
@@ -4592,11 +4515,11 @@
               <a:buNone/>
             </a:pPr>
             <a:r>
-              <a:rPr lang="en-IN" sz="2000" dirty="0" smtClean="0"/>
+              <a:rPr lang="en-IN" sz="2000" dirty="0"/>
               <a:t>	</a:t>
             </a:r>
             <a:r>
-              <a:rPr lang="en-IN" sz="2000" dirty="0" err="1" smtClean="0"/>
+              <a:rPr lang="en-IN" sz="2000" dirty="0" err="1"/>
               <a:t>response.setContentType</a:t>
             </a:r>
             <a:r>
@@ -4616,13 +4539,6 @@
   <p:clrMapOvr>
     <a:masterClrMapping/>
   </p:clrMapOvr>
-  <p:timing>
-    <p:tnLst>
-      <p:par>
-        <p:cTn id="1" dur="indefinite" restart="never" nodeType="tmRoot"/>
-      </p:par>
-    </p:tnLst>
-  </p:timing>
 </p:sld>
 </file>
 
@@ -4946,13 +4862,6 @@
   <p:clrMapOvr>
     <a:masterClrMapping/>
   </p:clrMapOvr>
-  <p:timing>
-    <p:tnLst>
-      <p:par>
-        <p:cTn id="1" dur="indefinite" restart="never" nodeType="tmRoot"/>
-      </p:par>
-    </p:tnLst>
-  </p:timing>
 </p:sld>
 </file>
 
@@ -5416,10 +5325,9 @@
               <a:buNone/>
             </a:pPr>
             <a:r>
-              <a:rPr lang="en-IN" dirty="0" smtClean="0"/>
+              <a:rPr lang="en-IN" dirty="0"/>
               <a:t>Output: </a:t>
             </a:r>
-            <a:endParaRPr lang="en-IN" dirty="0"/>
           </a:p>
         </p:txBody>
       </p:sp>
@@ -5433,13 +5341,6 @@
   <p:clrMapOvr>
     <a:masterClrMapping/>
   </p:clrMapOvr>
-  <p:timing>
-    <p:tnLst>
-      <p:par>
-        <p:cTn id="1" dur="indefinite" restart="never" nodeType="tmRoot"/>
-      </p:par>
-    </p:tnLst>
-  </p:timing>
 </p:sld>
 </file>
 
@@ -5529,100 +5430,96 @@
             </a:r>
             <a:r>
               <a:rPr lang="en-IN" sz="2000" dirty="0"/>
-              <a:t>, attributes etc</a:t>
-            </a:r>
-            <a:r>
-              <a:rPr lang="en-IN" sz="2000" dirty="0" smtClean="0"/>
-              <a:t>.</a:t>
-            </a:r>
-          </a:p>
-          <a:p>
-            <a:r>
-              <a:rPr lang="en-IN" sz="2000" dirty="0" smtClean="0"/>
+              <a:t>, attributes etc.</a:t>
+            </a:r>
+          </a:p>
+          <a:p>
+            <a:r>
+              <a:rPr lang="en-IN" sz="2000" dirty="0"/>
               <a:t>Some header </a:t>
             </a:r>
             <a:r>
-              <a:rPr lang="en-IN" sz="2000" dirty="0" err="1" smtClean="0"/>
+              <a:rPr lang="en-IN" sz="2000" dirty="0" err="1"/>
               <a:t>informations</a:t>
             </a:r>
             <a:r>
-              <a:rPr lang="en-IN" sz="2000" dirty="0" smtClean="0"/>
+              <a:rPr lang="en-IN" sz="2000" dirty="0"/>
               <a:t> are</a:t>
             </a:r>
           </a:p>
           <a:p>
             <a:pPr lvl="1"/>
             <a:r>
-              <a:rPr lang="en-IN" sz="1800" b="1" dirty="0" smtClean="0"/>
+              <a:rPr lang="en-IN" sz="1800" b="1" dirty="0"/>
               <a:t>Accept	</a:t>
             </a:r>
             <a:r>
-              <a:rPr lang="en-IN" sz="1800" b="1" dirty="0" err="1" smtClean="0"/>
+              <a:rPr lang="en-IN" sz="1800" b="1" dirty="0" err="1"/>
               <a:t>E.g</a:t>
             </a:r>
             <a:r>
-              <a:rPr lang="en-IN" sz="1800" b="1" dirty="0" smtClean="0"/>
+              <a:rPr lang="en-IN" sz="1800" b="1" dirty="0"/>
               <a:t> </a:t>
             </a:r>
             <a:r>
               <a:rPr lang="en-IN" sz="1800" dirty="0"/>
               <a:t>"*/*" indicating all media types</a:t>
             </a:r>
-            <a:endParaRPr lang="en-IN" sz="1800" b="1" dirty="0" smtClean="0"/>
+            <a:endParaRPr lang="en-IN" sz="1800" b="1" dirty="0"/>
           </a:p>
           <a:p>
             <a:pPr lvl="1"/>
             <a:r>
-              <a:rPr lang="en-IN" sz="1800" b="1" dirty="0" smtClean="0"/>
+              <a:rPr lang="en-IN" sz="1800" b="1" dirty="0"/>
               <a:t>Accept-Charset</a:t>
             </a:r>
           </a:p>
           <a:p>
             <a:pPr lvl="1"/>
             <a:r>
-              <a:rPr lang="en-IN" sz="1800" b="1" dirty="0" smtClean="0"/>
+              <a:rPr lang="en-IN" sz="1800" b="1" dirty="0"/>
               <a:t>Accept-Encoding</a:t>
             </a:r>
           </a:p>
           <a:p>
             <a:pPr lvl="1"/>
             <a:r>
-              <a:rPr lang="en-IN" sz="1800" b="1" dirty="0" smtClean="0"/>
+              <a:rPr lang="en-IN" sz="1800" b="1" dirty="0"/>
               <a:t>Accept-Language</a:t>
             </a:r>
           </a:p>
           <a:p>
             <a:pPr lvl="1"/>
             <a:r>
-              <a:rPr lang="en-IN" sz="1800" b="1" dirty="0" smtClean="0"/>
+              <a:rPr lang="en-IN" sz="1800" b="1" dirty="0"/>
               <a:t>Authorization</a:t>
             </a:r>
           </a:p>
           <a:p>
             <a:pPr lvl="1"/>
             <a:r>
-              <a:rPr lang="en-IN" sz="1800" b="1" dirty="0" smtClean="0"/>
+              <a:rPr lang="en-IN" sz="1800" b="1" dirty="0"/>
               <a:t>Connection</a:t>
             </a:r>
           </a:p>
           <a:p>
             <a:pPr lvl="1"/>
             <a:r>
-              <a:rPr lang="en-IN" sz="1800" b="1" dirty="0" smtClean="0"/>
+              <a:rPr lang="en-IN" sz="1800" b="1" dirty="0"/>
               <a:t>Content-Length</a:t>
             </a:r>
           </a:p>
           <a:p>
             <a:pPr lvl="1"/>
             <a:r>
-              <a:rPr lang="en-IN" sz="1800" b="1" dirty="0" smtClean="0"/>
+              <a:rPr lang="en-IN" sz="1800" b="1" dirty="0"/>
               <a:t>Cookie</a:t>
             </a:r>
           </a:p>
           <a:p>
             <a:pPr lvl="1"/>
             <a:r>
-              <a:rPr lang="en-IN" sz="1800" b="1" dirty="0" smtClean="0"/>
+              <a:rPr lang="en-IN" sz="1800" b="1" dirty="0"/>
               <a:t>Host</a:t>
             </a:r>
           </a:p>
@@ -5644,13 +5541,6 @@
   <p:clrMapOvr>
     <a:masterClrMapping/>
   </p:clrMapOvr>
-  <p:timing>
-    <p:tnLst>
-      <p:par>
-        <p:cTn id="1" dur="indefinite" restart="never" nodeType="tmRoot"/>
-      </p:par>
-    </p:tnLst>
-  </p:timing>
 </p:sld>
 </file>
 
@@ -5687,10 +5577,9 @@
           <a:lstStyle/>
           <a:p>
             <a:r>
-              <a:rPr lang="en-IN" dirty="0" smtClean="0"/>
+              <a:rPr lang="en-IN" dirty="0"/>
               <a:t>Servlet methods</a:t>
             </a:r>
-            <a:endParaRPr lang="en-IN" dirty="0"/>
           </a:p>
         </p:txBody>
       </p:sp>
@@ -5817,13 +5706,6 @@
   <p:clrMapOvr>
     <a:masterClrMapping/>
   </p:clrMapOvr>
-  <p:timing>
-    <p:tnLst>
-      <p:par>
-        <p:cTn id="1" dur="indefinite" restart="never" nodeType="tmRoot"/>
-      </p:par>
-    </p:tnLst>
-  </p:timing>
 </p:sld>
 </file>
 
@@ -5891,19 +5773,11 @@
             </a:r>
             <a:r>
               <a:rPr lang="en-IN" b="1" dirty="0"/>
-              <a:t>(String name</a:t>
-            </a:r>
-            <a:r>
-              <a:rPr lang="en-IN" b="1" dirty="0" smtClean="0"/>
-              <a:t>) - </a:t>
-            </a:r>
-            <a:r>
-              <a:rPr lang="en-IN" dirty="0"/>
-              <a:t>is used to obtain the value of a parameter by name</a:t>
-            </a:r>
-            <a:r>
-              <a:rPr lang="en-IN" dirty="0" smtClean="0"/>
-              <a:t>.</a:t>
+              <a:t>(String name) - </a:t>
+            </a:r>
+            <a:r>
+              <a:rPr lang="en-IN" dirty="0"/>
+              <a:t>is used to obtain the value of a parameter by name.</a:t>
             </a:r>
           </a:p>
           <a:p>
@@ -5924,16 +5798,12 @@
               <a:t>getContentLength</a:t>
             </a:r>
             <a:r>
-              <a:rPr lang="en-IN" b="1" dirty="0" smtClean="0"/>
+              <a:rPr lang="en-IN" b="1" dirty="0"/>
               <a:t>() -</a:t>
             </a:r>
             <a:r>
               <a:rPr lang="en-IN" dirty="0"/>
-              <a:t> Returns the size of the request entity data, or -1 if not known</a:t>
-            </a:r>
-            <a:r>
-              <a:rPr lang="en-IN" dirty="0" smtClean="0"/>
-              <a:t>.</a:t>
+              <a:t> Returns the size of the request entity data, or -1 if not known.</a:t>
             </a:r>
           </a:p>
           <a:p>
@@ -5946,16 +5816,12 @@
               <a:t>getContentType</a:t>
             </a:r>
             <a:r>
-              <a:rPr lang="en-IN" b="1" dirty="0" smtClean="0"/>
+              <a:rPr lang="en-IN" b="1" dirty="0"/>
               <a:t>() - </a:t>
             </a:r>
             <a:r>
               <a:rPr lang="en-IN" dirty="0"/>
-              <a:t>Returns the Internet Media Type of the request entity data, or null if not known</a:t>
-            </a:r>
-            <a:r>
-              <a:rPr lang="en-IN" dirty="0" smtClean="0"/>
-              <a:t>.</a:t>
+              <a:t>Returns the Internet Media Type of the request entity data, or null if not known.</a:t>
             </a:r>
           </a:p>
           <a:p>
@@ -5968,16 +5834,12 @@
               <a:t>getServerName</a:t>
             </a:r>
             <a:r>
-              <a:rPr lang="en-IN" b="1" dirty="0" smtClean="0"/>
+              <a:rPr lang="en-IN" b="1" dirty="0"/>
               <a:t>() - </a:t>
             </a:r>
             <a:r>
               <a:rPr lang="en-IN" dirty="0"/>
-              <a:t>Returns the host name of the server that received the request</a:t>
-            </a:r>
-            <a:r>
-              <a:rPr lang="en-IN" dirty="0" smtClean="0"/>
-              <a:t>.</a:t>
+              <a:t>Returns the host name of the server that received the request.</a:t>
             </a:r>
           </a:p>
           <a:p>
@@ -5998,7 +5860,7 @@
               <a:t>getServerPort</a:t>
             </a:r>
             <a:r>
-              <a:rPr lang="en-IN" b="1" dirty="0" smtClean="0"/>
+              <a:rPr lang="en-IN" b="1" dirty="0"/>
               <a:t>() - </a:t>
             </a:r>
             <a:r>
@@ -6018,13 +5880,6 @@
   <p:clrMapOvr>
     <a:masterClrMapping/>
   </p:clrMapOvr>
-  <p:timing>
-    <p:tnLst>
-      <p:par>
-        <p:cTn id="1" dur="indefinite" restart="never" nodeType="tmRoot"/>
-      </p:par>
-    </p:tnLst>
-  </p:timing>
 </p:sld>
 </file>
 
@@ -6063,18 +5918,9 @@
           <a:lstStyle/>
           <a:p>
             <a:r>
-              <a:rPr lang="en-IN" dirty="0" smtClean="0"/>
-              <a:t>HTTP Header </a:t>
-            </a:r>
-            <a:r>
-              <a:rPr lang="en-IN" dirty="0"/>
-              <a:t>Request </a:t>
-            </a:r>
-            <a:r>
-              <a:rPr lang="en-IN" dirty="0" smtClean="0"/>
-              <a:t>Example</a:t>
-            </a:r>
-            <a:endParaRPr lang="en-IN" dirty="0"/>
+              <a:rPr lang="en-IN" dirty="0"/>
+              <a:t>HTTP Header Request Example</a:t>
+            </a:r>
           </a:p>
         </p:txBody>
       </p:sp>
@@ -6104,23 +5950,15 @@
               <a:buNone/>
             </a:pPr>
             <a:r>
-              <a:rPr lang="en-IN" sz="2000" i="1" dirty="0" smtClean="0"/>
-              <a:t>import </a:t>
-            </a:r>
-            <a:r>
               <a:rPr lang="en-IN" sz="2000" i="1" dirty="0"/>
-              <a:t>java.io</a:t>
-            </a:r>
-            <a:r>
-              <a:rPr lang="en-IN" sz="2000" i="1" dirty="0" smtClean="0"/>
-              <a:t>.*; import </a:t>
+              <a:t>import java.io.*; import </a:t>
             </a:r>
             <a:r>
               <a:rPr lang="en-IN" sz="2000" i="1" dirty="0" err="1"/>
               <a:t>javax.servlet</a:t>
             </a:r>
             <a:r>
-              <a:rPr lang="en-IN" sz="2000" i="1" dirty="0" smtClean="0"/>
+              <a:rPr lang="en-IN" sz="2000" i="1" dirty="0"/>
               <a:t>.*; import </a:t>
             </a:r>
             <a:r>
@@ -6128,7 +5966,7 @@
               <a:t>javax.servlet.http</a:t>
             </a:r>
             <a:r>
-              <a:rPr lang="en-IN" sz="2000" i="1" dirty="0" smtClean="0"/>
+              <a:rPr lang="en-IN" sz="2000" i="1" dirty="0"/>
               <a:t>.*; import </a:t>
             </a:r>
             <a:r>
@@ -6145,12 +5983,8 @@
               <a:buNone/>
             </a:pPr>
             <a:r>
-              <a:rPr lang="en-IN" sz="2000" i="1" dirty="0" smtClean="0"/>
-              <a:t>public </a:t>
-            </a:r>
-            <a:r>
               <a:rPr lang="en-IN" sz="2000" i="1" dirty="0"/>
-              <a:t>class </a:t>
+              <a:t>public class </a:t>
             </a:r>
             <a:r>
               <a:rPr lang="en-IN" sz="2000" i="1" dirty="0" err="1"/>
@@ -6173,19 +6007,15 @@
             <a:pPr marL="0" indent="0">
               <a:buNone/>
             </a:pPr>
-            <a:endParaRPr lang="en-IN" sz="2000" i="1" dirty="0" smtClean="0"/>
+            <a:endParaRPr lang="en-IN" sz="2000" i="1" dirty="0"/>
           </a:p>
           <a:p>
             <a:pPr marL="0" indent="0">
               <a:buNone/>
             </a:pPr>
             <a:r>
-              <a:rPr lang="en-IN" sz="2000" i="1" dirty="0" smtClean="0"/>
-              <a:t>public </a:t>
-            </a:r>
-            <a:r>
               <a:rPr lang="en-IN" sz="2000" i="1" dirty="0"/>
-              <a:t>void </a:t>
+              <a:t>public void </a:t>
             </a:r>
             <a:r>
               <a:rPr lang="en-IN" sz="2000" i="1" dirty="0" err="1"/>
@@ -6236,28 +6066,26 @@
               <a:rPr lang="en-IN" sz="2000" i="1" dirty="0"/>
               <a:t> </a:t>
             </a:r>
-            <a:endParaRPr lang="en-IN" sz="2000" i="1" dirty="0" smtClean="0"/>
           </a:p>
           <a:p>
             <a:pPr marL="0" indent="0">
               <a:buNone/>
             </a:pPr>
             <a:r>
-              <a:rPr lang="en-IN" sz="2000" i="1" dirty="0" smtClean="0"/>
+              <a:rPr lang="en-IN" sz="2000" i="1" dirty="0"/>
               <a:t>{</a:t>
             </a:r>
-            <a:endParaRPr lang="en-IN" sz="2000" i="1" dirty="0"/>
           </a:p>
           <a:p>
             <a:pPr marL="0" indent="0">
               <a:buNone/>
             </a:pPr>
             <a:r>
-              <a:rPr lang="en-IN" sz="2000" i="1" dirty="0" smtClean="0"/>
+              <a:rPr lang="en-IN" sz="2000" i="1" dirty="0"/>
               <a:t>	</a:t>
             </a:r>
             <a:r>
-              <a:rPr lang="en-IN" sz="2000" i="1" dirty="0" err="1" smtClean="0"/>
+              <a:rPr lang="en-IN" sz="2000" i="1" dirty="0" err="1"/>
               <a:t>response.setContentType</a:t>
             </a:r>
             <a:r>
@@ -6271,23 +6099,15 @@
             </a:pPr>
             <a:r>
               <a:rPr lang="en-IN" sz="2000" i="1" dirty="0"/>
-              <a:t> </a:t>
-            </a:r>
-            <a:r>
-              <a:rPr lang="en-IN" sz="2000" i="1" dirty="0" smtClean="0"/>
-              <a:t>	</a:t>
-            </a:r>
-            <a:r>
-              <a:rPr lang="en-IN" sz="2000" i="1" dirty="0" err="1" smtClean="0"/>
+              <a:t> 	</a:t>
+            </a:r>
+            <a:r>
+              <a:rPr lang="en-IN" sz="2000" i="1" dirty="0" err="1"/>
               <a:t>PrintWriter</a:t>
             </a:r>
             <a:r>
-              <a:rPr lang="en-IN" sz="2000" i="1" dirty="0" smtClean="0"/>
-              <a:t> </a:t>
-            </a:r>
-            <a:r>
               <a:rPr lang="en-IN" sz="2000" i="1" dirty="0"/>
-              <a:t>out = </a:t>
+              <a:t> out = </a:t>
             </a:r>
             <a:r>
               <a:rPr lang="en-IN" sz="2000" i="1" dirty="0" err="1"/>
@@ -6303,12 +6123,8 @@
               <a:buNone/>
             </a:pPr>
             <a:r>
-              <a:rPr lang="en-IN" sz="2000" i="1" dirty="0" smtClean="0"/>
-              <a:t>	 </a:t>
-            </a:r>
-            <a:r>
               <a:rPr lang="en-IN" sz="2000" i="1" dirty="0"/>
-              <a:t>String title = "HTTP Header Request Example";</a:t>
+              <a:t>	 String title = "HTTP Header Request Example";</a:t>
             </a:r>
           </a:p>
           <a:p>
@@ -6316,7 +6132,7 @@
               <a:buNone/>
             </a:pPr>
             <a:r>
-              <a:rPr lang="en-IN" sz="2000" i="1" dirty="0" smtClean="0"/>
+              <a:rPr lang="en-IN" sz="2000" i="1" dirty="0"/>
               <a:t>String </a:t>
             </a:r>
             <a:r>
@@ -6325,11 +6141,7 @@
             </a:r>
             <a:r>
               <a:rPr lang="en-IN" sz="2000" i="1" dirty="0"/>
-              <a:t> </a:t>
-            </a:r>
-            <a:r>
-              <a:rPr lang="en-IN" sz="2000" i="1" dirty="0" smtClean="0"/>
-              <a:t>="&lt;!</a:t>
+              <a:t> ="&lt;!</a:t>
             </a:r>
             <a:r>
               <a:rPr lang="en-IN" sz="2000" i="1" dirty="0" err="1"/>
@@ -6359,10 +6171,9 @@
               <a:buNone/>
             </a:pPr>
             <a:r>
-              <a:rPr lang="en-IN" sz="1800" dirty="0" smtClean="0"/>
+              <a:rPr lang="en-IN" sz="1800" dirty="0"/>
               <a:t> </a:t>
             </a:r>
-            <a:endParaRPr lang="en-IN" sz="1800" dirty="0"/>
           </a:p>
         </p:txBody>
       </p:sp>
@@ -6376,13 +6187,6 @@
   <p:clrMapOvr>
     <a:masterClrMapping/>
   </p:clrMapOvr>
-  <p:timing>
-    <p:tnLst>
-      <p:par>
-        <p:cTn id="1" dur="indefinite" restart="never" nodeType="tmRoot"/>
-      </p:par>
-    </p:tnLst>
-  </p:timing>
 </p:sld>
 </file>
 
@@ -6419,12 +6223,8 @@
           <a:lstStyle/>
           <a:p>
             <a:r>
-              <a:rPr lang="en-IN" dirty="0" smtClean="0"/>
-              <a:t>HTTP </a:t>
-            </a:r>
-            <a:r>
-              <a:rPr lang="en-IN" dirty="0"/>
-              <a:t>Header Request Example</a:t>
+              <a:rPr lang="en-IN" dirty="0"/>
+              <a:t>HTTP Header Request Example</a:t>
             </a:r>
           </a:p>
         </p:txBody>
@@ -6643,13 +6443,6 @@
   <p:clrMapOvr>
     <a:masterClrMapping/>
   </p:clrMapOvr>
-  <p:timing>
-    <p:tnLst>
-      <p:par>
-        <p:cTn id="1" dur="indefinite" restart="never" nodeType="tmRoot"/>
-      </p:par>
-    </p:tnLst>
-  </p:timing>
 </p:sld>
 </file>
 
@@ -6686,12 +6479,8 @@
           <a:lstStyle/>
           <a:p>
             <a:r>
-              <a:rPr lang="en-IN" dirty="0" smtClean="0"/>
-              <a:t>HTTP </a:t>
-            </a:r>
-            <a:r>
-              <a:rPr lang="en-IN" dirty="0"/>
-              <a:t>Header Request Example</a:t>
+              <a:rPr lang="en-IN" dirty="0"/>
+              <a:t>HTTP Header Request Example</a:t>
             </a:r>
           </a:p>
         </p:txBody>
@@ -6932,13 +6721,8 @@
             </a:pPr>
             <a:r>
               <a:rPr lang="en-IN" sz="2000" i="1" dirty="0"/>
-              <a:t> </a:t>
-            </a:r>
-            <a:r>
-              <a:rPr lang="en-IN" sz="2000" i="1" dirty="0" smtClean="0"/>
-              <a:t>}</a:t>
-            </a:r>
-            <a:endParaRPr lang="en-IN" sz="2000" i="1" dirty="0"/>
+              <a:t> }</a:t>
+            </a:r>
           </a:p>
         </p:txBody>
       </p:sp>
@@ -6952,13 +6736,6 @@
   <p:clrMapOvr>
     <a:masterClrMapping/>
   </p:clrMapOvr>
-  <p:timing>
-    <p:tnLst>
-      <p:par>
-        <p:cTn id="1" dur="indefinite" restart="never" nodeType="tmRoot"/>
-      </p:par>
-    </p:tnLst>
-  </p:timing>
 </p:sld>
 </file>
 
@@ -6998,13 +6775,8 @@
           <a:p>
             <a:r>
               <a:rPr lang="en-IN" dirty="0"/>
-              <a:t>HTTP Header Request </a:t>
-            </a:r>
-            <a:r>
-              <a:rPr lang="en-IN" dirty="0" smtClean="0"/>
-              <a:t>Example O/P</a:t>
-            </a:r>
-            <a:endParaRPr lang="en-IN" dirty="0"/>
+              <a:t>HTTP Header Request Example O/P</a:t>
+            </a:r>
           </a:p>
         </p:txBody>
       </p:sp>
@@ -7061,13 +6833,6 @@
   <p:clrMapOvr>
     <a:masterClrMapping/>
   </p:clrMapOvr>
-  <p:timing>
-    <p:tnLst>
-      <p:par>
-        <p:cTn id="1" dur="indefinite" restart="never" nodeType="tmRoot"/>
-      </p:par>
-    </p:tnLst>
-  </p:timing>
 </p:sld>
 </file>
 
@@ -7107,13 +6872,8 @@
           <a:p>
             <a:r>
               <a:rPr lang="en-IN" dirty="0"/>
-              <a:t>Server HTTP </a:t>
-            </a:r>
-            <a:r>
-              <a:rPr lang="en-IN" dirty="0" smtClean="0"/>
-              <a:t>Response</a:t>
-            </a:r>
-            <a:endParaRPr lang="en-IN" dirty="0"/>
+              <a:t>Server HTTP Response</a:t>
+            </a:r>
           </a:p>
         </p:txBody>
       </p:sp>
@@ -7136,7 +6896,6 @@
               <a:rPr lang="en-IN" dirty="0"/>
               <a:t>Web server responds to an HTTP request, the response typically consists of a status line, some response headers, a blank line, and the document. </a:t>
             </a:r>
-            <a:endParaRPr lang="en-IN" dirty="0" smtClean="0"/>
           </a:p>
           <a:p>
             <a:r>
@@ -7156,13 +6915,6 @@
   <p:clrMapOvr>
     <a:masterClrMapping/>
   </p:clrMapOvr>
-  <p:timing>
-    <p:tnLst>
-      <p:par>
-        <p:cTn id="1" dur="indefinite" restart="never" nodeType="tmRoot"/>
-      </p:par>
-    </p:tnLst>
-  </p:timing>
 </p:sld>
 </file>
 
@@ -7693,7 +7445,7 @@
   <a:extraClrSchemeLst/>
   <a:extLst>
     <a:ext uri="{05A4C25C-085E-4340-85A3-A5531E510DB2}">
-      <thm15:themeFamily xmlns:thm15="http://schemas.microsoft.com/office/thememl/2012/main" xmlns="" name="Office Theme" id="{62F939B6-93AF-4DB8-9C6B-D6C7DFDC589F}" vid="{4A3C46E8-61CC-4603-A589-7422A47A8E4A}"/>
+      <thm15:themeFamily xmlns:thm15="http://schemas.microsoft.com/office/thememl/2012/main" name="Office Theme" id="{62F939B6-93AF-4DB8-9C6B-D6C7DFDC589F}" vid="{4A3C46E8-61CC-4603-A589-7422A47A8E4A}"/>
     </a:ext>
   </a:extLst>
 </a:theme>

--- a/Reference materials/Advanced JAVA/Servlets/2 Servlets Request and Response.pptx
+++ b/Reference materials/Advanced JAVA/Servlets/2 Servlets Request and Response.pptx
@@ -220,7 +220,7 @@
           <a:p>
             <a:fld id="{CBDFB359-B0C7-4C2A-B5E6-DC0AAC7DC740}" type="datetimeFigureOut">
               <a:rPr lang="en-IN" smtClean="0"/>
-              <a:t>25-05-2021</a:t>
+              <a:t>16-06-2021</a:t>
             </a:fld>
             <a:endParaRPr lang="en-IN"/>
           </a:p>
@@ -682,7 +682,7 @@
             <a:fld id="{1D8BD707-D9CF-40AE-B4C6-C98DA3205C09}" type="datetimeFigureOut">
               <a:rPr lang="en-US" smtClean="0"/>
               <a:pPr/>
-              <a:t>5/25/2021</a:t>
+              <a:t>6/16/2021</a:t>
             </a:fld>
             <a:endParaRPr lang="en-US"/>
           </a:p>
@@ -1035,7 +1035,7 @@
             <a:fld id="{1D8BD707-D9CF-40AE-B4C6-C98DA3205C09}" type="datetimeFigureOut">
               <a:rPr lang="en-US" smtClean="0"/>
               <a:pPr/>
-              <a:t>5/25/2021</a:t>
+              <a:t>6/16/2021</a:t>
             </a:fld>
             <a:endParaRPr lang="en-US"/>
           </a:p>
@@ -1211,7 +1211,7 @@
             <a:fld id="{1D8BD707-D9CF-40AE-B4C6-C98DA3205C09}" type="datetimeFigureOut">
               <a:rPr lang="en-US" smtClean="0"/>
               <a:pPr/>
-              <a:t>5/25/2021</a:t>
+              <a:t>6/16/2021</a:t>
             </a:fld>
             <a:endParaRPr lang="en-US"/>
           </a:p>
@@ -1325,7 +1325,7 @@
             <a:fld id="{1D8BD707-D9CF-40AE-B4C6-C98DA3205C09}" type="datetimeFigureOut">
               <a:rPr lang="en-US" smtClean="0"/>
               <a:pPr/>
-              <a:t>5/25/2021</a:t>
+              <a:t>6/16/2021</a:t>
             </a:fld>
             <a:endParaRPr lang="en-US"/>
           </a:p>
@@ -1684,7 +1684,7 @@
             <a:fld id="{1D8BD707-D9CF-40AE-B4C6-C98DA3205C09}" type="datetimeFigureOut">
               <a:rPr lang="en-US" smtClean="0"/>
               <a:pPr/>
-              <a:t>5/25/2021</a:t>
+              <a:t>6/16/2021</a:t>
             </a:fld>
             <a:endParaRPr lang="en-US"/>
           </a:p>
@@ -1950,7 +1950,7 @@
             <a:fld id="{1D8BD707-D9CF-40AE-B4C6-C98DA3205C09}" type="datetimeFigureOut">
               <a:rPr lang="en-US" smtClean="0"/>
               <a:pPr/>
-              <a:t>5/25/2021</a:t>
+              <a:t>6/16/2021</a:t>
             </a:fld>
             <a:endParaRPr lang="en-US"/>
           </a:p>
@@ -2313,7 +2313,7 @@
             <a:fld id="{1D8BD707-D9CF-40AE-B4C6-C98DA3205C09}" type="datetimeFigureOut">
               <a:rPr lang="en-US" smtClean="0"/>
               <a:pPr/>
-              <a:t>5/25/2021</a:t>
+              <a:t>6/16/2021</a:t>
             </a:fld>
             <a:endParaRPr lang="en-US"/>
           </a:p>
@@ -2541,7 +2541,7 @@
             <a:fld id="{1D8BD707-D9CF-40AE-B4C6-C98DA3205C09}" type="datetimeFigureOut">
               <a:rPr lang="en-US" smtClean="0"/>
               <a:pPr/>
-              <a:t>5/25/2021</a:t>
+              <a:t>6/16/2021</a:t>
             </a:fld>
             <a:endParaRPr lang="en-US"/>
           </a:p>
@@ -2633,7 +2633,7 @@
             <a:fld id="{1D8BD707-D9CF-40AE-B4C6-C98DA3205C09}" type="datetimeFigureOut">
               <a:rPr lang="en-US" smtClean="0"/>
               <a:pPr/>
-              <a:t>5/25/2021</a:t>
+              <a:t>6/16/2021</a:t>
             </a:fld>
             <a:endParaRPr lang="en-US"/>
           </a:p>
@@ -2901,7 +2901,7 @@
             <a:fld id="{1D8BD707-D9CF-40AE-B4C6-C98DA3205C09}" type="datetimeFigureOut">
               <a:rPr lang="en-US" smtClean="0"/>
               <a:pPr/>
-              <a:t>5/25/2021</a:t>
+              <a:t>6/16/2021</a:t>
             </a:fld>
             <a:endParaRPr lang="en-US"/>
           </a:p>
@@ -3130,7 +3130,7 @@
             <a:fld id="{1D8BD707-D9CF-40AE-B4C6-C98DA3205C09}" type="datetimeFigureOut">
               <a:rPr lang="en-US" smtClean="0"/>
               <a:pPr/>
-              <a:t>5/25/2021</a:t>
+              <a:t>6/16/2021</a:t>
             </a:fld>
             <a:endParaRPr lang="en-US"/>
           </a:p>
@@ -3629,7 +3629,7 @@
             <a:fld id="{1D8BD707-D9CF-40AE-B4C6-C98DA3205C09}" type="datetimeFigureOut">
               <a:rPr lang="en-US" smtClean="0"/>
               <a:pPr/>
-              <a:t>5/25/2021</a:t>
+              <a:t>6/16/2021</a:t>
             </a:fld>
             <a:endParaRPr lang="en-US"/>
           </a:p>
